--- a/DanielAbebe_Presentation.pptx
+++ b/DanielAbebe_Presentation.pptx
@@ -478,7 +478,7 @@
         <p:nvSpPr>
           <p:cNvPr id="297988" name="Rectangle 4"/>
           <p:cNvSpPr>
-            <a:spLocks noRot="1" noChangeArrowheads="1" noTextEdit="1"/>
+            <a:spLocks noGrp="1" noRot="1" noChangeAspect="1" noChangeArrowheads="1" noTextEdit="1"/>
           </p:cNvSpPr>
           <p:nvPr>
             <p:ph type="sldImg" idx="2"/>
@@ -3666,7 +3666,6 @@
               <a:rPr lang="en-US" smtClean="0"/>
               <a:t>Click to edit Master title style</a:t>
             </a:r>
-            <a:endParaRPr lang="en-US" smtClean="0"/>
           </a:p>
         </p:txBody>
       </p:sp>
@@ -3738,7 +3737,6 @@
               <a:rPr lang="en-US" smtClean="0"/>
               <a:t>Fifth level</a:t>
             </a:r>
-            <a:endParaRPr lang="en-US" smtClean="0"/>
           </a:p>
         </p:txBody>
       </p:sp>
@@ -4410,14 +4408,24 @@
             </a:r>
             <a:r>
               <a:rPr lang="en-US" dirty="0" err="1" smtClean="0"/>
-              <a:t>Mulugeta</a:t>
+              <a:t>Abebe</a:t>
             </a:r>
             <a:endParaRPr lang="en-US" dirty="0" smtClean="0"/>
           </a:p>
           <a:p>
             <a:r>
               <a:rPr lang="en-US" sz="1400" dirty="0" smtClean="0"/>
-              <a:t>IBM Data Science Professional Certificate</a:t>
+              <a:t>IBM Data Science Professional </a:t>
+            </a:r>
+            <a:r>
+              <a:rPr lang="en-US" sz="1400" dirty="0" smtClean="0"/>
+              <a:t>Certificate</a:t>
+            </a:r>
+          </a:p>
+          <a:p>
+            <a:r>
+              <a:rPr lang="en-US" sz="1400" smtClean="0"/>
+              <a:t>12/16/2019</a:t>
             </a:r>
             <a:endParaRPr lang="en-US" sz="1400" dirty="0"/>
           </a:p>
